--- a/AariaJoystick.pptx
+++ b/AariaJoystick.pptx
@@ -8189,35 +8189,50 @@
           <a:lstStyle/>
           <a:p>
             <a:r>
-              <a:rPr lang="en-US" dirty="0" smtClean="0"/>
-              <a:t>1. </a:t>
-            </a:r>
-            <a:r>
-              <a:rPr lang="en-US" dirty="0" err="1" smtClean="0"/>
+              <a:rPr lang="en-US" sz="2400" dirty="0" smtClean="0"/>
+              <a:t>0. </a:t>
+            </a:r>
+            <a:r>
+              <a:rPr lang="en-US" sz="2400" dirty="0" smtClean="0"/>
+              <a:t>plot(1,1) in command window</a:t>
+            </a:r>
+            <a:endParaRPr lang="en-US" sz="2400" dirty="0" smtClean="0"/>
+          </a:p>
+          <a:p>
+            <a:r>
+              <a:rPr lang="en-US" sz="2400" dirty="0" smtClean="0"/>
+              <a:t>1</a:t>
+            </a:r>
+            <a:r>
+              <a:rPr lang="en-US" sz="2400" dirty="0" smtClean="0"/>
+              <a:t>. </a:t>
+            </a:r>
+            <a:r>
+              <a:rPr lang="en-US" sz="2400" dirty="0" err="1" smtClean="0"/>
               <a:t>simOut</a:t>
             </a:r>
             <a:r>
-              <a:rPr lang="en-US" dirty="0" smtClean="0"/>
+              <a:rPr lang="en-US" sz="2400" dirty="0" smtClean="0"/>
               <a:t> in Workspace</a:t>
             </a:r>
           </a:p>
           <a:p>
             <a:r>
-              <a:rPr lang="en-US" dirty="0" smtClean="0"/>
+              <a:rPr lang="en-US" sz="2400" dirty="0" smtClean="0"/>
               <a:t>2. </a:t>
             </a:r>
             <a:r>
-              <a:rPr lang="en-US" dirty="0" err="1" smtClean="0"/>
+              <a:rPr lang="en-US" sz="2400" dirty="0" err="1" smtClean="0"/>
               <a:t>SensorData</a:t>
             </a:r>
             <a:r>
-              <a:rPr lang="en-US" dirty="0" smtClean="0"/>
+              <a:rPr lang="en-US" sz="2400" dirty="0" smtClean="0"/>
               <a:t>  </a:t>
             </a:r>
           </a:p>
           <a:p>
             <a:r>
-              <a:rPr lang="en-US" dirty="0" smtClean="0"/>
+              <a:rPr lang="en-US" sz="2400" dirty="0" smtClean="0"/>
               <a:t>3. Paint columns and click</a:t>
             </a:r>
           </a:p>
@@ -8226,10 +8241,10 @@
               <a:buNone/>
             </a:pPr>
             <a:r>
-              <a:rPr lang="en-US" dirty="0" smtClean="0"/>
+              <a:rPr lang="en-US" sz="2400" dirty="0" smtClean="0"/>
               <a:t>plot from the plots tab</a:t>
             </a:r>
-            <a:endParaRPr lang="en-GB" dirty="0"/>
+            <a:endParaRPr lang="en-GB" sz="2400" dirty="0"/>
           </a:p>
         </p:txBody>
       </p:sp>
@@ -8249,7 +8264,7 @@
         </p:blipFill>
         <p:spPr>
           <a:xfrm>
-            <a:off x="5131255" y="1189254"/>
+            <a:off x="5155406" y="496527"/>
             <a:ext cx="4012745" cy="1282268"/>
           </a:xfrm>
           <a:prstGeom prst="rect">
@@ -8299,6 +8314,30 @@
           <a:xfrm>
             <a:off x="1198072" y="4041775"/>
             <a:ext cx="4510542" cy="2167857"/>
+          </a:xfrm>
+          <a:prstGeom prst="rect">
+            <a:avLst/>
+          </a:prstGeom>
+        </p:spPr>
+      </p:pic>
+      <p:pic>
+        <p:nvPicPr>
+          <p:cNvPr id="3" name="Picture 2"/>
+          <p:cNvPicPr>
+            <a:picLocks noChangeAspect="1"/>
+          </p:cNvPicPr>
+          <p:nvPr/>
+        </p:nvPicPr>
+        <p:blipFill>
+          <a:blip r:embed="rId5"/>
+          <a:stretch>
+            <a:fillRect/>
+          </a:stretch>
+        </p:blipFill>
+        <p:spPr>
+          <a:xfrm>
+            <a:off x="3740908" y="1366043"/>
+            <a:ext cx="1285875" cy="571500"/>
           </a:xfrm>
           <a:prstGeom prst="rect">
             <a:avLst/>
@@ -9514,13 +9553,7 @@
               <a:rPr lang="en-US" sz="2000">
                 <a:hlinkClick r:id="rId4"/>
               </a:rPr>
-              <a:t>https</a:t>
-            </a:r>
-            <a:r>
-              <a:rPr lang="en-US" sz="2000">
-                <a:hlinkClick r:id="rId4"/>
-              </a:rPr>
-              <a:t>://</a:t>
+              <a:t>https://</a:t>
             </a:r>
             <a:r>
               <a:rPr lang="en-US" sz="2000" smtClean="0">
